--- a/topic08/talk-1/express apis.pptx
+++ b/topic08/talk-1/express apis.pptx
@@ -225,7 +225,7 @@
           <a:p>
             <a:fld id="{F0329A2A-9079-40FA-BFF1-B86DED55A545}" type="datetimeFigureOut">
               <a:rPr lang="en-US"/>
-              <a:t>11/23/2020</a:t>
+              <a:t>11/9/2022</a:t>
             </a:fld>
             <a:endParaRPr lang="en-US"/>
           </a:p>
@@ -537,22 +537,9 @@
           <a:lstStyle/>
           <a:p>
             <a:r>
-              <a:rPr lang="en-GB" dirty="0"/>
-              <a:t>check request is authenticated, </a:t>
-            </a:r>
-          </a:p>
-          <a:p>
-            <a:r>
-              <a:rPr lang="en-GB" dirty="0"/>
-              <a:t>parse body</a:t>
-            </a:r>
-          </a:p>
-          <a:p>
-            <a:r>
-              <a:rPr lang="en-GB" dirty="0"/>
-              <a:t>“inject” as an extra param in the request</a:t>
-            </a:r>
-            <a:endParaRPr lang="en-IE" dirty="0"/>
+              <a:rPr lang="en-IE" dirty="0"/>
+              <a:t>DEMO!!!</a:t>
+            </a:r>
           </a:p>
         </p:txBody>
       </p:sp>
@@ -573,7 +560,7 @@
           <a:p>
             <a:fld id="{0B0E7F9E-E769-4E57-83F1-54A11C11F942}" type="slidenum">
               <a:rPr lang="en-US" smtClean="0"/>
-              <a:t>4</a:t>
+              <a:t>3</a:t>
             </a:fld>
             <a:endParaRPr lang="en-US"/>
           </a:p>
@@ -582,7 +569,7 @@
     </p:spTree>
     <p:extLst>
       <p:ext uri="{BB962C8B-B14F-4D97-AF65-F5344CB8AC3E}">
-        <p14:creationId xmlns:p14="http://schemas.microsoft.com/office/powerpoint/2010/main" val="3149597939"/>
+        <p14:creationId xmlns:p14="http://schemas.microsoft.com/office/powerpoint/2010/main" val="3123488851"/>
       </p:ext>
     </p:extLst>
   </p:cSld>
@@ -636,6 +623,22 @@
           <a:bodyPr/>
           <a:lstStyle/>
           <a:p>
+            <a:r>
+              <a:rPr lang="en-GB" dirty="0"/>
+              <a:t>check request is authenticated, </a:t>
+            </a:r>
+          </a:p>
+          <a:p>
+            <a:r>
+              <a:rPr lang="en-GB" dirty="0"/>
+              <a:t>parse body</a:t>
+            </a:r>
+          </a:p>
+          <a:p>
+            <a:r>
+              <a:rPr lang="en-GB" dirty="0"/>
+              <a:t>“inject” as an extra param in the request</a:t>
+            </a:r>
             <a:endParaRPr lang="en-IE" dirty="0"/>
           </a:p>
         </p:txBody>
@@ -657,7 +660,7 @@
           <a:p>
             <a:fld id="{0B0E7F9E-E769-4E57-83F1-54A11C11F942}" type="slidenum">
               <a:rPr lang="en-US" smtClean="0"/>
-              <a:t>7</a:t>
+              <a:t>4</a:t>
             </a:fld>
             <a:endParaRPr lang="en-US"/>
           </a:p>
@@ -666,7 +669,7 @@
     </p:spTree>
     <p:extLst>
       <p:ext uri="{BB962C8B-B14F-4D97-AF65-F5344CB8AC3E}">
-        <p14:creationId xmlns:p14="http://schemas.microsoft.com/office/powerpoint/2010/main" val="852057888"/>
+        <p14:creationId xmlns:p14="http://schemas.microsoft.com/office/powerpoint/2010/main" val="3149597939"/>
       </p:ext>
     </p:extLst>
   </p:cSld>
@@ -722,7 +725,7 @@
           <a:p>
             <a:r>
               <a:rPr lang="en-IE" dirty="0"/>
-              <a:t>DEMO</a:t>
+              <a:t>DEMO! Simple Middle =ware</a:t>
             </a:r>
           </a:p>
         </p:txBody>
@@ -744,7 +747,7 @@
           <a:p>
             <a:fld id="{0B0E7F9E-E769-4E57-83F1-54A11C11F942}" type="slidenum">
               <a:rPr lang="en-US" smtClean="0"/>
-              <a:t>8</a:t>
+              <a:t>5</a:t>
             </a:fld>
             <a:endParaRPr lang="en-US"/>
           </a:p>
@@ -753,7 +756,7 @@
     </p:spTree>
     <p:extLst>
       <p:ext uri="{BB962C8B-B14F-4D97-AF65-F5344CB8AC3E}">
-        <p14:creationId xmlns:p14="http://schemas.microsoft.com/office/powerpoint/2010/main" val="1932831125"/>
+        <p14:creationId xmlns:p14="http://schemas.microsoft.com/office/powerpoint/2010/main" val="2090986537"/>
       </p:ext>
     </p:extLst>
   </p:cSld>
@@ -807,10 +810,7 @@
           <a:bodyPr/>
           <a:lstStyle/>
           <a:p>
-            <a:r>
-              <a:rPr lang="en-IE" dirty="0"/>
-              <a:t>DEMO</a:t>
-            </a:r>
+            <a:endParaRPr lang="en-IE" dirty="0"/>
           </a:p>
         </p:txBody>
       </p:sp>
@@ -831,7 +831,7 @@
           <a:p>
             <a:fld id="{0B0E7F9E-E769-4E57-83F1-54A11C11F942}" type="slidenum">
               <a:rPr lang="en-US" smtClean="0"/>
-              <a:t>11</a:t>
+              <a:t>7</a:t>
             </a:fld>
             <a:endParaRPr lang="en-US"/>
           </a:p>
@@ -840,7 +840,7 @@
     </p:spTree>
     <p:extLst>
       <p:ext uri="{BB962C8B-B14F-4D97-AF65-F5344CB8AC3E}">
-        <p14:creationId xmlns:p14="http://schemas.microsoft.com/office/powerpoint/2010/main" val="2343119116"/>
+        <p14:creationId xmlns:p14="http://schemas.microsoft.com/office/powerpoint/2010/main" val="852057888"/>
       </p:ext>
     </p:extLst>
   </p:cSld>
@@ -869,6 +869,267 @@
       </p:grpSpPr>
       <p:sp>
         <p:nvSpPr>
+          <p:cNvPr id="2" name="Slide Image Placeholder 1"/>
+          <p:cNvSpPr>
+            <a:spLocks noGrp="1" noRot="1" noChangeAspect="1"/>
+          </p:cNvSpPr>
+          <p:nvPr>
+            <p:ph type="sldImg"/>
+          </p:nvPr>
+        </p:nvSpPr>
+        <p:spPr/>
+      </p:sp>
+      <p:sp>
+        <p:nvSpPr>
+          <p:cNvPr id="3" name="Notes Placeholder 2"/>
+          <p:cNvSpPr>
+            <a:spLocks noGrp="1"/>
+          </p:cNvSpPr>
+          <p:nvPr>
+            <p:ph type="body" idx="1"/>
+          </p:nvPr>
+        </p:nvSpPr>
+        <p:spPr/>
+        <p:txBody>
+          <a:bodyPr/>
+          <a:lstStyle/>
+          <a:p>
+            <a:r>
+              <a:rPr lang="en-IE" dirty="0"/>
+              <a:t>DEMO ERROR MIDDLEWARE</a:t>
+            </a:r>
+          </a:p>
+        </p:txBody>
+      </p:sp>
+      <p:sp>
+        <p:nvSpPr>
+          <p:cNvPr id="4" name="Slide Number Placeholder 3"/>
+          <p:cNvSpPr>
+            <a:spLocks noGrp="1"/>
+          </p:cNvSpPr>
+          <p:nvPr>
+            <p:ph type="sldNum" sz="quarter" idx="5"/>
+          </p:nvPr>
+        </p:nvSpPr>
+        <p:spPr/>
+        <p:txBody>
+          <a:bodyPr/>
+          <a:lstStyle/>
+          <a:p>
+            <a:fld id="{0B0E7F9E-E769-4E57-83F1-54A11C11F942}" type="slidenum">
+              <a:rPr lang="en-US" smtClean="0"/>
+              <a:t>8</a:t>
+            </a:fld>
+            <a:endParaRPr lang="en-US"/>
+          </a:p>
+        </p:txBody>
+      </p:sp>
+    </p:spTree>
+    <p:extLst>
+      <p:ext uri="{BB962C8B-B14F-4D97-AF65-F5344CB8AC3E}">
+        <p14:creationId xmlns:p14="http://schemas.microsoft.com/office/powerpoint/2010/main" val="1932831125"/>
+      </p:ext>
+    </p:extLst>
+  </p:cSld>
+  <p:clrMapOvr>
+    <a:masterClrMapping/>
+  </p:clrMapOvr>
+</p:notes>
+</file>
+
+<file path=ppt/notesSlides/notesSlide6.xml><?xml version="1.0" encoding="utf-8"?>
+<p:notes xmlns:a="http://schemas.openxmlformats.org/drawingml/2006/main" xmlns:r="http://schemas.openxmlformats.org/officeDocument/2006/relationships" xmlns:p="http://schemas.openxmlformats.org/presentationml/2006/main">
+  <p:cSld>
+    <p:spTree>
+      <p:nvGrpSpPr>
+        <p:cNvPr id="1" name=""/>
+        <p:cNvGrpSpPr/>
+        <p:nvPr/>
+      </p:nvGrpSpPr>
+      <p:grpSpPr>
+        <a:xfrm>
+          <a:off x="0" y="0"/>
+          <a:ext cx="0" cy="0"/>
+          <a:chOff x="0" y="0"/>
+          <a:chExt cx="0" cy="0"/>
+        </a:xfrm>
+      </p:grpSpPr>
+      <p:sp>
+        <p:nvSpPr>
+          <p:cNvPr id="2" name="Slide Image Placeholder 1"/>
+          <p:cNvSpPr>
+            <a:spLocks noGrp="1" noRot="1" noChangeAspect="1"/>
+          </p:cNvSpPr>
+          <p:nvPr>
+            <p:ph type="sldImg"/>
+          </p:nvPr>
+        </p:nvSpPr>
+        <p:spPr/>
+      </p:sp>
+      <p:sp>
+        <p:nvSpPr>
+          <p:cNvPr id="3" name="Notes Placeholder 2"/>
+          <p:cNvSpPr>
+            <a:spLocks noGrp="1"/>
+          </p:cNvSpPr>
+          <p:nvPr>
+            <p:ph type="body" idx="1"/>
+          </p:nvPr>
+        </p:nvSpPr>
+        <p:spPr/>
+        <p:txBody>
+          <a:bodyPr/>
+          <a:lstStyle/>
+          <a:p>
+            <a:r>
+              <a:rPr lang="en-IE" dirty="0"/>
+              <a:t>DEMO GET CONTACTS</a:t>
+            </a:r>
+          </a:p>
+        </p:txBody>
+      </p:sp>
+      <p:sp>
+        <p:nvSpPr>
+          <p:cNvPr id="4" name="Slide Number Placeholder 3"/>
+          <p:cNvSpPr>
+            <a:spLocks noGrp="1"/>
+          </p:cNvSpPr>
+          <p:nvPr>
+            <p:ph type="sldNum" sz="quarter" idx="5"/>
+          </p:nvPr>
+        </p:nvSpPr>
+        <p:spPr/>
+        <p:txBody>
+          <a:bodyPr/>
+          <a:lstStyle/>
+          <a:p>
+            <a:fld id="{0B0E7F9E-E769-4E57-83F1-54A11C11F942}" type="slidenum">
+              <a:rPr lang="en-US" smtClean="0"/>
+              <a:t>10</a:t>
+            </a:fld>
+            <a:endParaRPr lang="en-US"/>
+          </a:p>
+        </p:txBody>
+      </p:sp>
+    </p:spTree>
+    <p:extLst>
+      <p:ext uri="{BB962C8B-B14F-4D97-AF65-F5344CB8AC3E}">
+        <p14:creationId xmlns:p14="http://schemas.microsoft.com/office/powerpoint/2010/main" val="3289273836"/>
+      </p:ext>
+    </p:extLst>
+  </p:cSld>
+  <p:clrMapOvr>
+    <a:masterClrMapping/>
+  </p:clrMapOvr>
+</p:notes>
+</file>
+
+<file path=ppt/notesSlides/notesSlide7.xml><?xml version="1.0" encoding="utf-8"?>
+<p:notes xmlns:a="http://schemas.openxmlformats.org/drawingml/2006/main" xmlns:r="http://schemas.openxmlformats.org/officeDocument/2006/relationships" xmlns:p="http://schemas.openxmlformats.org/presentationml/2006/main">
+  <p:cSld>
+    <p:spTree>
+      <p:nvGrpSpPr>
+        <p:cNvPr id="1" name=""/>
+        <p:cNvGrpSpPr/>
+        <p:nvPr/>
+      </p:nvGrpSpPr>
+      <p:grpSpPr>
+        <a:xfrm>
+          <a:off x="0" y="0"/>
+          <a:ext cx="0" cy="0"/>
+          <a:chOff x="0" y="0"/>
+          <a:chExt cx="0" cy="0"/>
+        </a:xfrm>
+      </p:grpSpPr>
+      <p:sp>
+        <p:nvSpPr>
+          <p:cNvPr id="2" name="Slide Image Placeholder 1"/>
+          <p:cNvSpPr>
+            <a:spLocks noGrp="1" noRot="1" noChangeAspect="1"/>
+          </p:cNvSpPr>
+          <p:nvPr>
+            <p:ph type="sldImg"/>
+          </p:nvPr>
+        </p:nvSpPr>
+        <p:spPr/>
+      </p:sp>
+      <p:sp>
+        <p:nvSpPr>
+          <p:cNvPr id="3" name="Notes Placeholder 2"/>
+          <p:cNvSpPr>
+            <a:spLocks noGrp="1"/>
+          </p:cNvSpPr>
+          <p:nvPr>
+            <p:ph type="body" idx="1"/>
+          </p:nvPr>
+        </p:nvSpPr>
+        <p:spPr/>
+        <p:txBody>
+          <a:bodyPr/>
+          <a:lstStyle/>
+          <a:p>
+            <a:r>
+              <a:rPr lang="en-IE" dirty="0"/>
+              <a:t>DEMO GET CONTACT</a:t>
+            </a:r>
+          </a:p>
+        </p:txBody>
+      </p:sp>
+      <p:sp>
+        <p:nvSpPr>
+          <p:cNvPr id="4" name="Slide Number Placeholder 3"/>
+          <p:cNvSpPr>
+            <a:spLocks noGrp="1"/>
+          </p:cNvSpPr>
+          <p:nvPr>
+            <p:ph type="sldNum" sz="quarter" idx="5"/>
+          </p:nvPr>
+        </p:nvSpPr>
+        <p:spPr/>
+        <p:txBody>
+          <a:bodyPr/>
+          <a:lstStyle/>
+          <a:p>
+            <a:fld id="{0B0E7F9E-E769-4E57-83F1-54A11C11F942}" type="slidenum">
+              <a:rPr lang="en-US" smtClean="0"/>
+              <a:t>11</a:t>
+            </a:fld>
+            <a:endParaRPr lang="en-US"/>
+          </a:p>
+        </p:txBody>
+      </p:sp>
+    </p:spTree>
+    <p:extLst>
+      <p:ext uri="{BB962C8B-B14F-4D97-AF65-F5344CB8AC3E}">
+        <p14:creationId xmlns:p14="http://schemas.microsoft.com/office/powerpoint/2010/main" val="2343119116"/>
+      </p:ext>
+    </p:extLst>
+  </p:cSld>
+  <p:clrMapOvr>
+    <a:masterClrMapping/>
+  </p:clrMapOvr>
+</p:notes>
+</file>
+
+<file path=ppt/notesSlides/notesSlide8.xml><?xml version="1.0" encoding="utf-8"?>
+<p:notes xmlns:a="http://schemas.openxmlformats.org/drawingml/2006/main" xmlns:r="http://schemas.openxmlformats.org/officeDocument/2006/relationships" xmlns:p="http://schemas.openxmlformats.org/presentationml/2006/main">
+  <p:cSld>
+    <p:spTree>
+      <p:nvGrpSpPr>
+        <p:cNvPr id="1" name=""/>
+        <p:cNvGrpSpPr/>
+        <p:nvPr/>
+      </p:nvGrpSpPr>
+      <p:grpSpPr>
+        <a:xfrm>
+          <a:off x="0" y="0"/>
+          <a:ext cx="0" cy="0"/>
+          <a:chOff x="0" y="0"/>
+          <a:chExt cx="0" cy="0"/>
+        </a:xfrm>
+      </p:grpSpPr>
+      <p:sp>
+        <p:nvSpPr>
           <p:cNvPr id="357" name="PlaceHolder 1"/>
           <p:cNvSpPr>
             <a:spLocks noGrp="1"/>
@@ -1019,6 +1280,93 @@
         </p:txBody>
       </p:sp>
     </p:spTree>
+  </p:cSld>
+  <p:clrMapOvr>
+    <a:masterClrMapping/>
+  </p:clrMapOvr>
+</p:notes>
+</file>
+
+<file path=ppt/notesSlides/notesSlide9.xml><?xml version="1.0" encoding="utf-8"?>
+<p:notes xmlns:a="http://schemas.openxmlformats.org/drawingml/2006/main" xmlns:r="http://schemas.openxmlformats.org/officeDocument/2006/relationships" xmlns:p="http://schemas.openxmlformats.org/presentationml/2006/main">
+  <p:cSld>
+    <p:spTree>
+      <p:nvGrpSpPr>
+        <p:cNvPr id="1" name=""/>
+        <p:cNvGrpSpPr/>
+        <p:nvPr/>
+      </p:nvGrpSpPr>
+      <p:grpSpPr>
+        <a:xfrm>
+          <a:off x="0" y="0"/>
+          <a:ext cx="0" cy="0"/>
+          <a:chOff x="0" y="0"/>
+          <a:chExt cx="0" cy="0"/>
+        </a:xfrm>
+      </p:grpSpPr>
+      <p:sp>
+        <p:nvSpPr>
+          <p:cNvPr id="2" name="Slide Image Placeholder 1"/>
+          <p:cNvSpPr>
+            <a:spLocks noGrp="1" noRot="1" noChangeAspect="1"/>
+          </p:cNvSpPr>
+          <p:nvPr>
+            <p:ph type="sldImg"/>
+          </p:nvPr>
+        </p:nvSpPr>
+        <p:spPr/>
+      </p:sp>
+      <p:sp>
+        <p:nvSpPr>
+          <p:cNvPr id="3" name="Notes Placeholder 2"/>
+          <p:cNvSpPr>
+            <a:spLocks noGrp="1"/>
+          </p:cNvSpPr>
+          <p:nvPr>
+            <p:ph type="body" idx="1"/>
+          </p:nvPr>
+        </p:nvSpPr>
+        <p:spPr/>
+        <p:txBody>
+          <a:bodyPr/>
+          <a:lstStyle/>
+          <a:p>
+            <a:r>
+              <a:rPr lang="en-IE" dirty="0"/>
+              <a:t>DEMO!!</a:t>
+            </a:r>
+          </a:p>
+        </p:txBody>
+      </p:sp>
+      <p:sp>
+        <p:nvSpPr>
+          <p:cNvPr id="4" name="Slide Number Placeholder 3"/>
+          <p:cNvSpPr>
+            <a:spLocks noGrp="1"/>
+          </p:cNvSpPr>
+          <p:nvPr>
+            <p:ph type="sldNum" sz="quarter" idx="5"/>
+          </p:nvPr>
+        </p:nvSpPr>
+        <p:spPr/>
+        <p:txBody>
+          <a:bodyPr/>
+          <a:lstStyle/>
+          <a:p>
+            <a:fld id="{0B0E7F9E-E769-4E57-83F1-54A11C11F942}" type="slidenum">
+              <a:rPr lang="en-US" smtClean="0"/>
+              <a:t>13</a:t>
+            </a:fld>
+            <a:endParaRPr lang="en-US"/>
+          </a:p>
+        </p:txBody>
+      </p:sp>
+    </p:spTree>
+    <p:extLst>
+      <p:ext uri="{BB962C8B-B14F-4D97-AF65-F5344CB8AC3E}">
+        <p14:creationId xmlns:p14="http://schemas.microsoft.com/office/powerpoint/2010/main" val="983812981"/>
+      </p:ext>
+    </p:extLst>
   </p:cSld>
   <p:clrMapOvr>
     <a:masterClrMapping/>
@@ -1155,7 +1503,7 @@
           <a:p>
             <a:fld id="{846CE7D5-CF57-46EF-B807-FDD0502418D4}" type="datetimeFigureOut">
               <a:rPr lang="en-US" smtClean="0"/>
-              <a:t>11/23/2020</a:t>
+              <a:t>11/9/2022</a:t>
             </a:fld>
             <a:endParaRPr lang="en-US"/>
           </a:p>
@@ -1323,7 +1671,7 @@
           <a:p>
             <a:fld id="{846CE7D5-CF57-46EF-B807-FDD0502418D4}" type="datetimeFigureOut">
               <a:rPr lang="en-US" smtClean="0"/>
-              <a:t>11/23/2020</a:t>
+              <a:t>11/9/2022</a:t>
             </a:fld>
             <a:endParaRPr lang="en-US"/>
           </a:p>
@@ -1501,7 +1849,7 @@
           <a:p>
             <a:fld id="{846CE7D5-CF57-46EF-B807-FDD0502418D4}" type="datetimeFigureOut">
               <a:rPr lang="en-US" smtClean="0"/>
-              <a:t>11/23/2020</a:t>
+              <a:t>11/9/2022</a:t>
             </a:fld>
             <a:endParaRPr lang="en-US"/>
           </a:p>
@@ -1669,7 +2017,7 @@
           <a:p>
             <a:fld id="{846CE7D5-CF57-46EF-B807-FDD0502418D4}" type="datetimeFigureOut">
               <a:rPr lang="en-US" smtClean="0"/>
-              <a:t>11/23/2020</a:t>
+              <a:t>11/9/2022</a:t>
             </a:fld>
             <a:endParaRPr lang="en-US"/>
           </a:p>
@@ -1914,7 +2262,7 @@
           <a:p>
             <a:fld id="{846CE7D5-CF57-46EF-B807-FDD0502418D4}" type="datetimeFigureOut">
               <a:rPr lang="en-US" smtClean="0"/>
-              <a:t>11/23/2020</a:t>
+              <a:t>11/9/2022</a:t>
             </a:fld>
             <a:endParaRPr lang="en-US"/>
           </a:p>
@@ -2143,7 +2491,7 @@
           <a:p>
             <a:fld id="{846CE7D5-CF57-46EF-B807-FDD0502418D4}" type="datetimeFigureOut">
               <a:rPr lang="en-US" smtClean="0"/>
-              <a:t>11/23/2020</a:t>
+              <a:t>11/9/2022</a:t>
             </a:fld>
             <a:endParaRPr lang="en-US"/>
           </a:p>
@@ -2507,7 +2855,7 @@
           <a:p>
             <a:fld id="{846CE7D5-CF57-46EF-B807-FDD0502418D4}" type="datetimeFigureOut">
               <a:rPr lang="en-US" smtClean="0"/>
-              <a:t>11/23/2020</a:t>
+              <a:t>11/9/2022</a:t>
             </a:fld>
             <a:endParaRPr lang="en-US"/>
           </a:p>
@@ -2624,7 +2972,7 @@
           <a:p>
             <a:fld id="{846CE7D5-CF57-46EF-B807-FDD0502418D4}" type="datetimeFigureOut">
               <a:rPr lang="en-US" smtClean="0"/>
-              <a:t>11/23/2020</a:t>
+              <a:t>11/9/2022</a:t>
             </a:fld>
             <a:endParaRPr lang="en-US"/>
           </a:p>
@@ -2719,7 +3067,7 @@
           <a:p>
             <a:fld id="{846CE7D5-CF57-46EF-B807-FDD0502418D4}" type="datetimeFigureOut">
               <a:rPr lang="en-US" smtClean="0"/>
-              <a:t>11/23/2020</a:t>
+              <a:t>11/9/2022</a:t>
             </a:fld>
             <a:endParaRPr lang="en-US"/>
           </a:p>
@@ -2994,7 +3342,7 @@
           <a:p>
             <a:fld id="{846CE7D5-CF57-46EF-B807-FDD0502418D4}" type="datetimeFigureOut">
               <a:rPr lang="en-US" smtClean="0"/>
-              <a:t>11/23/2020</a:t>
+              <a:t>11/9/2022</a:t>
             </a:fld>
             <a:endParaRPr lang="en-US"/>
           </a:p>
@@ -3249,7 +3597,7 @@
           <a:p>
             <a:fld id="{846CE7D5-CF57-46EF-B807-FDD0502418D4}" type="datetimeFigureOut">
               <a:rPr lang="en-US" smtClean="0"/>
-              <a:t>11/23/2020</a:t>
+              <a:t>11/9/2022</a:t>
             </a:fld>
             <a:endParaRPr lang="en-US"/>
           </a:p>
@@ -3460,7 +3808,7 @@
           <a:p>
             <a:fld id="{846CE7D5-CF57-46EF-B807-FDD0502418D4}" type="datetimeFigureOut">
               <a:rPr lang="en-US" smtClean="0"/>
-              <a:t>11/23/2020</a:t>
+              <a:t>11/9/2022</a:t>
             </a:fld>
             <a:endParaRPr lang="en-US"/>
           </a:p>
@@ -4248,7 +4596,7 @@
           <p:nvPr/>
         </p:nvPicPr>
         <p:blipFill>
-          <a:blip r:embed="rId2"/>
+          <a:blip r:embed="rId3"/>
           <a:stretch>
             <a:fillRect/>
           </a:stretch>
@@ -4278,7 +4626,7 @@
           <p:nvPr/>
         </p:nvPicPr>
         <p:blipFill>
-          <a:blip r:embed="rId3"/>
+          <a:blip r:embed="rId4"/>
           <a:stretch>
             <a:fillRect/>
           </a:stretch>
@@ -6522,10 +6870,10 @@
                 <a:ea typeface="Arial"/>
                 <a:cs typeface="Arial"/>
               </a:rPr>
-              <a:t>Usually need 3</a:t>
-            </a:r>
-            <a:r>
-              <a:rPr lang="en-IE" b="0" i="0" u="none" strike="noStrike" baseline="30000" dirty="0">
+              <a:t>Need body-parsing middleware such as </a:t>
+            </a:r>
+            <a:r>
+              <a:rPr lang="en-IE" b="1" dirty="0" err="1">
                 <a:solidFill>
                   <a:srgbClr val="000000"/>
                 </a:solidFill>
@@ -6533,10 +6881,10 @@
                 <a:ea typeface="Arial"/>
                 <a:cs typeface="Arial"/>
               </a:rPr>
-              <a:t>rd</a:t>
-            </a:r>
-            <a:r>
-              <a:rPr lang="en-IE" b="0" i="0" u="none" strike="noStrike" dirty="0">
+              <a:t>express.json</a:t>
+            </a:r>
+            <a:r>
+              <a:rPr lang="en-IE" b="1" dirty="0">
                 <a:solidFill>
                   <a:srgbClr val="000000"/>
                 </a:solidFill>
@@ -6544,18 +6892,7 @@
                 <a:ea typeface="Arial"/>
                 <a:cs typeface="Arial"/>
               </a:rPr>
-              <a:t> party body-parsing middleware such as </a:t>
-            </a:r>
-            <a:r>
-              <a:rPr lang="en-IE" b="1" i="0" u="none" strike="noStrike" dirty="0">
-                <a:solidFill>
-                  <a:srgbClr val="000000"/>
-                </a:solidFill>
-                <a:latin typeface="Arial"/>
-                <a:ea typeface="Arial"/>
-                <a:cs typeface="Arial"/>
-              </a:rPr>
-              <a:t>body-parser</a:t>
+              <a:t>()</a:t>
             </a:r>
             <a:r>
               <a:rPr lang="en-IE" b="0" i="0" u="none" strike="noStrike" dirty="0">
@@ -6640,7 +6977,7 @@
           <p:nvPr/>
         </p:nvPicPr>
         <p:blipFill>
-          <a:blip r:embed="rId2"/>
+          <a:blip r:embed="rId3"/>
           <a:stretch>
             <a:fillRect/>
           </a:stretch>
@@ -6670,7 +7007,7 @@
           <p:nvPr/>
         </p:nvPicPr>
         <p:blipFill>
-          <a:blip r:embed="rId3"/>
+          <a:blip r:embed="rId4"/>
           <a:stretch>
             <a:fillRect/>
           </a:stretch>
@@ -6829,7 +7166,7 @@
           <p:nvPr/>
         </p:nvPicPr>
         <p:blipFill>
-          <a:blip r:embed="rId4"/>
+          <a:blip r:embed="rId5"/>
           <a:stretch>
             <a:fillRect/>
           </a:stretch>
@@ -11132,7 +11469,7 @@
           <p:nvPr/>
         </p:nvPicPr>
         <p:blipFill>
-          <a:blip r:embed="rId2"/>
+          <a:blip r:embed="rId3"/>
           <a:stretch>
             <a:fillRect/>
           </a:stretch>
@@ -11616,18 +11953,39 @@
           </a:bodyPr>
           <a:lstStyle/>
           <a:p>
+            <a:pPr marL="0" indent="0">
+              <a:buNone/>
+            </a:pPr>
+            <a:endParaRPr lang="en-US" dirty="0">
+              <a:cs typeface="Calibri"/>
+            </a:endParaRPr>
+          </a:p>
+          <a:p>
             <a:r>
               <a:rPr lang="en-US" dirty="0">
                 <a:cs typeface="Calibri"/>
               </a:rPr>
-              <a:t>3rd Party (e.g. </a:t>
-            </a:r>
+              <a:t>Router level </a:t>
+            </a:r>
+          </a:p>
+          <a:p>
             <a:r>
               <a:rPr lang="en-US" dirty="0">
                 <a:cs typeface="Calibri"/>
-                <a:hlinkClick r:id="rId4"/>
-              </a:rPr>
-              <a:t>body-parser</a:t>
+              </a:rPr>
+              <a:t>Application level (</a:t>
+            </a:r>
+            <a:r>
+              <a:rPr lang="en-US" i="1" dirty="0" err="1">
+                <a:cs typeface="Calibri"/>
+              </a:rPr>
+              <a:t>app.use</a:t>
+            </a:r>
+            <a:r>
+              <a:rPr lang="en-US" i="1" dirty="0">
+                <a:cs typeface="Calibri"/>
+              </a:rPr>
+              <a:t>(…)</a:t>
             </a:r>
             <a:r>
               <a:rPr lang="en-US" dirty="0">
@@ -11637,46 +11995,33 @@
             </a:r>
           </a:p>
           <a:p>
+            <a:pPr lvl="2"/>
             <a:r>
               <a:rPr lang="en-US" dirty="0">
                 <a:cs typeface="Calibri"/>
               </a:rPr>
-              <a:t>Router level </a:t>
-            </a:r>
-          </a:p>
-          <a:p>
+              <a:t>Every request is handled</a:t>
+            </a:r>
+          </a:p>
+          <a:p>
+            <a:pPr lvl="2"/>
             <a:r>
               <a:rPr lang="en-US" dirty="0">
                 <a:cs typeface="Calibri"/>
               </a:rPr>
-              <a:t>Application level (</a:t>
-            </a:r>
-            <a:r>
-              <a:rPr lang="en-US" i="1" dirty="0" err="1">
+              <a:t>Often 3</a:t>
+            </a:r>
+            <a:r>
+              <a:rPr lang="en-US" baseline="30000" dirty="0">
                 <a:cs typeface="Calibri"/>
               </a:rPr>
-              <a:t>app.use</a:t>
-            </a:r>
-            <a:r>
-              <a:rPr lang="en-US" i="1" dirty="0">
-                <a:cs typeface="Calibri"/>
-              </a:rPr>
-              <a:t>(…)</a:t>
+              <a:t>rd</a:t>
             </a:r>
             <a:r>
               <a:rPr lang="en-US" dirty="0">
                 <a:cs typeface="Calibri"/>
               </a:rPr>
-              <a:t>)</a:t>
-            </a:r>
-          </a:p>
-          <a:p>
-            <a:pPr lvl="2"/>
-            <a:r>
-              <a:rPr lang="en-US" dirty="0">
-                <a:cs typeface="Calibri"/>
-              </a:rPr>
-              <a:t>Every request is handled</a:t>
+              <a:t> Party (Authentication middleware)</a:t>
             </a:r>
           </a:p>
           <a:p>
@@ -11734,7 +12079,7 @@
               <a:rPr lang="en-US" dirty="0" err="1">
                 <a:cs typeface="Calibri"/>
               </a:rPr>
-              <a:t>Express.static</a:t>
+              <a:t>express.json</a:t>
             </a:r>
             <a:r>
               <a:rPr lang="en-US" dirty="0">
@@ -11799,7 +12144,7 @@
                                         <p:tgtEl>
                                           <p:spTgt spid="3">
                                             <p:txEl>
-                                              <p:pRg st="0" end="0"/>
+                                              <p:pRg st="1" end="1"/>
                                             </p:txEl>
                                           </p:spTgt>
                                         </p:tgtEl>
@@ -11817,7 +12162,7 @@
                                         <p:tgtEl>
                                           <p:spTgt spid="3">
                                             <p:txEl>
-                                              <p:pRg st="0" end="0"/>
+                                              <p:pRg st="1" end="1"/>
                                             </p:txEl>
                                           </p:spTgt>
                                         </p:tgtEl>
@@ -11860,7 +12205,7 @@
                                         <p:tgtEl>
                                           <p:spTgt spid="3">
                                             <p:txEl>
-                                              <p:pRg st="1" end="1"/>
+                                              <p:pRg st="2" end="2"/>
                                             </p:txEl>
                                           </p:spTgt>
                                         </p:tgtEl>
@@ -11878,67 +12223,6 @@
                                         <p:tgtEl>
                                           <p:spTgt spid="3">
                                             <p:txEl>
-                                              <p:pRg st="1" end="1"/>
-                                            </p:txEl>
-                                          </p:spTgt>
-                                        </p:tgtEl>
-                                      </p:cBhvr>
-                                    </p:animEffect>
-                                  </p:childTnLst>
-                                </p:cTn>
-                              </p:par>
-                            </p:childTnLst>
-                          </p:cTn>
-                        </p:par>
-                      </p:childTnLst>
-                    </p:cTn>
-                  </p:par>
-                  <p:par>
-                    <p:cTn id="13" fill="hold">
-                      <p:stCondLst>
-                        <p:cond delay="indefinite"/>
-                      </p:stCondLst>
-                      <p:childTnLst>
-                        <p:par>
-                          <p:cTn id="14" fill="hold">
-                            <p:stCondLst>
-                              <p:cond delay="0"/>
-                            </p:stCondLst>
-                            <p:childTnLst>
-                              <p:par>
-                                <p:cTn id="15" presetID="10" presetClass="entr" presetSubtype="0" fill="hold" nodeType="clickEffect">
-                                  <p:stCondLst>
-                                    <p:cond delay="0"/>
-                                  </p:stCondLst>
-                                  <p:childTnLst>
-                                    <p:set>
-                                      <p:cBhvr>
-                                        <p:cTn id="16" dur="1" fill="hold">
-                                          <p:stCondLst>
-                                            <p:cond delay="0"/>
-                                          </p:stCondLst>
-                                        </p:cTn>
-                                        <p:tgtEl>
-                                          <p:spTgt spid="3">
-                                            <p:txEl>
-                                              <p:pRg st="2" end="2"/>
-                                            </p:txEl>
-                                          </p:spTgt>
-                                        </p:tgtEl>
-                                        <p:attrNameLst>
-                                          <p:attrName>style.visibility</p:attrName>
-                                        </p:attrNameLst>
-                                      </p:cBhvr>
-                                      <p:to>
-                                        <p:strVal val="visible"/>
-                                      </p:to>
-                                    </p:set>
-                                    <p:animEffect transition="in" filter="fade">
-                                      <p:cBhvr>
-                                        <p:cTn id="17" dur="500"/>
-                                        <p:tgtEl>
-                                          <p:spTgt spid="3">
-                                            <p:txEl>
                                               <p:pRg st="2" end="2"/>
                                             </p:txEl>
                                           </p:spTgt>
@@ -11949,14 +12233,14 @@
                                 </p:cTn>
                               </p:par>
                               <p:par>
-                                <p:cTn id="18" presetID="10" presetClass="entr" presetSubtype="0" fill="hold" nodeType="withEffect">
+                                <p:cTn id="13" presetID="10" presetClass="entr" presetSubtype="0" fill="hold" nodeType="withEffect">
                                   <p:stCondLst>
                                     <p:cond delay="0"/>
                                   </p:stCondLst>
                                   <p:childTnLst>
                                     <p:set>
                                       <p:cBhvr>
-                                        <p:cTn id="19" dur="1" fill="hold">
+                                        <p:cTn id="14" dur="1" fill="hold">
                                           <p:stCondLst>
                                             <p:cond delay="0"/>
                                           </p:stCondLst>
@@ -11978,7 +12262,7 @@
                                     </p:set>
                                     <p:animEffect transition="in" filter="fade">
                                       <p:cBhvr>
-                                        <p:cTn id="20" dur="500"/>
+                                        <p:cTn id="15" dur="500"/>
                                         <p:tgtEl>
                                           <p:spTgt spid="3">
                                             <p:txEl>
@@ -11991,33 +12275,15 @@
                                   </p:childTnLst>
                                 </p:cTn>
                               </p:par>
-                            </p:childTnLst>
-                          </p:cTn>
-                        </p:par>
-                      </p:childTnLst>
-                    </p:cTn>
-                  </p:par>
-                  <p:par>
-                    <p:cTn id="21" fill="hold">
-                      <p:stCondLst>
-                        <p:cond delay="indefinite"/>
-                      </p:stCondLst>
-                      <p:childTnLst>
-                        <p:par>
-                          <p:cTn id="22" fill="hold">
-                            <p:stCondLst>
-                              <p:cond delay="0"/>
-                            </p:stCondLst>
-                            <p:childTnLst>
                               <p:par>
-                                <p:cTn id="23" presetID="10" presetClass="entr" presetSubtype="0" fill="hold" nodeType="clickEffect">
+                                <p:cTn id="16" presetID="10" presetClass="entr" presetSubtype="0" fill="hold" nodeType="withEffect">
                                   <p:stCondLst>
                                     <p:cond delay="0"/>
                                   </p:stCondLst>
                                   <p:childTnLst>
                                     <p:set>
                                       <p:cBhvr>
-                                        <p:cTn id="24" dur="1" fill="hold">
+                                        <p:cTn id="17" dur="1" fill="hold">
                                           <p:stCondLst>
                                             <p:cond delay="0"/>
                                           </p:stCondLst>
@@ -12039,7 +12305,7 @@
                                     </p:set>
                                     <p:animEffect transition="in" filter="fade">
                                       <p:cBhvr>
-                                        <p:cTn id="25" dur="500"/>
+                                        <p:cTn id="18" dur="500"/>
                                         <p:tgtEl>
                                           <p:spTgt spid="3">
                                             <p:txEl>
@@ -12052,15 +12318,33 @@
                                   </p:childTnLst>
                                 </p:cTn>
                               </p:par>
+                            </p:childTnLst>
+                          </p:cTn>
+                        </p:par>
+                      </p:childTnLst>
+                    </p:cTn>
+                  </p:par>
+                  <p:par>
+                    <p:cTn id="19" fill="hold">
+                      <p:stCondLst>
+                        <p:cond delay="indefinite"/>
+                      </p:stCondLst>
+                      <p:childTnLst>
+                        <p:par>
+                          <p:cTn id="20" fill="hold">
+                            <p:stCondLst>
+                              <p:cond delay="0"/>
+                            </p:stCondLst>
+                            <p:childTnLst>
                               <p:par>
-                                <p:cTn id="26" presetID="10" presetClass="entr" presetSubtype="0" fill="hold" nodeType="withEffect">
+                                <p:cTn id="21" presetID="10" presetClass="entr" presetSubtype="0" fill="hold" nodeType="clickEffect">
                                   <p:stCondLst>
                                     <p:cond delay="0"/>
                                   </p:stCondLst>
                                   <p:childTnLst>
                                     <p:set>
                                       <p:cBhvr>
-                                        <p:cTn id="27" dur="1" fill="hold">
+                                        <p:cTn id="22" dur="1" fill="hold">
                                           <p:stCondLst>
                                             <p:cond delay="0"/>
                                           </p:stCondLst>
@@ -12082,7 +12366,7 @@
                                     </p:set>
                                     <p:animEffect transition="in" filter="fade">
                                       <p:cBhvr>
-                                        <p:cTn id="28" dur="500"/>
+                                        <p:cTn id="23" dur="500"/>
                                         <p:tgtEl>
                                           <p:spTgt spid="3">
                                             <p:txEl>
@@ -12095,33 +12379,15 @@
                                   </p:childTnLst>
                                 </p:cTn>
                               </p:par>
-                            </p:childTnLst>
-                          </p:cTn>
-                        </p:par>
-                      </p:childTnLst>
-                    </p:cTn>
-                  </p:par>
-                  <p:par>
-                    <p:cTn id="29" fill="hold">
-                      <p:stCondLst>
-                        <p:cond delay="indefinite"/>
-                      </p:stCondLst>
-                      <p:childTnLst>
-                        <p:par>
-                          <p:cTn id="30" fill="hold">
-                            <p:stCondLst>
-                              <p:cond delay="0"/>
-                            </p:stCondLst>
-                            <p:childTnLst>
                               <p:par>
-                                <p:cTn id="31" presetID="10" presetClass="entr" presetSubtype="0" fill="hold" nodeType="clickEffect">
+                                <p:cTn id="24" presetID="10" presetClass="entr" presetSubtype="0" fill="hold" nodeType="withEffect">
                                   <p:stCondLst>
                                     <p:cond delay="0"/>
                                   </p:stCondLst>
                                   <p:childTnLst>
                                     <p:set>
                                       <p:cBhvr>
-                                        <p:cTn id="32" dur="1" fill="hold">
+                                        <p:cTn id="25" dur="1" fill="hold">
                                           <p:stCondLst>
                                             <p:cond delay="0"/>
                                           </p:stCondLst>
@@ -12143,7 +12409,7 @@
                                     </p:set>
                                     <p:animEffect transition="in" filter="fade">
                                       <p:cBhvr>
-                                        <p:cTn id="33" dur="500"/>
+                                        <p:cTn id="26" dur="500"/>
                                         <p:tgtEl>
                                           <p:spTgt spid="3">
                                             <p:txEl>
@@ -12156,15 +12422,33 @@
                                   </p:childTnLst>
                                 </p:cTn>
                               </p:par>
+                            </p:childTnLst>
+                          </p:cTn>
+                        </p:par>
+                      </p:childTnLst>
+                    </p:cTn>
+                  </p:par>
+                  <p:par>
+                    <p:cTn id="27" fill="hold">
+                      <p:stCondLst>
+                        <p:cond delay="indefinite"/>
+                      </p:stCondLst>
+                      <p:childTnLst>
+                        <p:par>
+                          <p:cTn id="28" fill="hold">
+                            <p:stCondLst>
+                              <p:cond delay="0"/>
+                            </p:stCondLst>
+                            <p:childTnLst>
                               <p:par>
-                                <p:cTn id="34" presetID="10" presetClass="entr" presetSubtype="0" fill="hold" nodeType="withEffect">
+                                <p:cTn id="29" presetID="10" presetClass="entr" presetSubtype="0" fill="hold" nodeType="clickEffect">
                                   <p:stCondLst>
                                     <p:cond delay="0"/>
                                   </p:stCondLst>
                                   <p:childTnLst>
                                     <p:set>
                                       <p:cBhvr>
-                                        <p:cTn id="35" dur="1" fill="hold">
+                                        <p:cTn id="30" dur="1" fill="hold">
                                           <p:stCondLst>
                                             <p:cond delay="0"/>
                                           </p:stCondLst>
@@ -12186,11 +12470,54 @@
                                     </p:set>
                                     <p:animEffect transition="in" filter="fade">
                                       <p:cBhvr>
-                                        <p:cTn id="36" dur="500"/>
+                                        <p:cTn id="31" dur="500"/>
                                         <p:tgtEl>
                                           <p:spTgt spid="3">
                                             <p:txEl>
                                               <p:pRg st="7" end="7"/>
+                                            </p:txEl>
+                                          </p:spTgt>
+                                        </p:tgtEl>
+                                      </p:cBhvr>
+                                    </p:animEffect>
+                                  </p:childTnLst>
+                                </p:cTn>
+                              </p:par>
+                              <p:par>
+                                <p:cTn id="32" presetID="10" presetClass="entr" presetSubtype="0" fill="hold" nodeType="withEffect">
+                                  <p:stCondLst>
+                                    <p:cond delay="0"/>
+                                  </p:stCondLst>
+                                  <p:childTnLst>
+                                    <p:set>
+                                      <p:cBhvr>
+                                        <p:cTn id="33" dur="1" fill="hold">
+                                          <p:stCondLst>
+                                            <p:cond delay="0"/>
+                                          </p:stCondLst>
+                                        </p:cTn>
+                                        <p:tgtEl>
+                                          <p:spTgt spid="3">
+                                            <p:txEl>
+                                              <p:pRg st="8" end="8"/>
+                                            </p:txEl>
+                                          </p:spTgt>
+                                        </p:tgtEl>
+                                        <p:attrNameLst>
+                                          <p:attrName>style.visibility</p:attrName>
+                                        </p:attrNameLst>
+                                      </p:cBhvr>
+                                      <p:to>
+                                        <p:strVal val="visible"/>
+                                      </p:to>
+                                    </p:set>
+                                    <p:animEffect transition="in" filter="fade">
+                                      <p:cBhvr>
+                                        <p:cTn id="34" dur="500"/>
+                                        <p:tgtEl>
+                                          <p:spTgt spid="3">
+                                            <p:txEl>
+                                              <p:pRg st="8" end="8"/>
                                             </p:txEl>
                                           </p:spTgt>
                                         </p:tgtEl>
